--- a/ai.pptx
+++ b/ai.pptx
@@ -10,8 +10,9 @@
     <p:sldId id="285" r:id="rId4"/>
     <p:sldId id="286" r:id="rId5"/>
     <p:sldId id="287" r:id="rId6"/>
-    <p:sldId id="284" r:id="rId7"/>
-    <p:sldId id="283" r:id="rId8"/>
+    <p:sldId id="288" r:id="rId7"/>
+    <p:sldId id="284" r:id="rId8"/>
+    <p:sldId id="283" r:id="rId9"/>
   </p:sldIdLst>
   <p:sldSz cx="9144000" cy="6858000" type="screen4x3"/>
   <p:notesSz cx="6858000" cy="9144000"/>
@@ -3269,13 +3270,13 @@
           <a:p>
             <a:r>
               <a:rPr lang="en-US" dirty="0" smtClean="0"/>
-              <a:t>Score function</a:t>
+              <a:t>Score function(Linear vs Non-Linear)</a:t>
             </a:r>
           </a:p>
           <a:p>
             <a:r>
               <a:rPr lang="en-US" dirty="0" smtClean="0"/>
-              <a:t>Loss function</a:t>
+              <a:t>Loss function(SVM)</a:t>
             </a:r>
           </a:p>
           <a:p>
@@ -3311,13 +3312,13 @@
           <a:p>
             <a:r>
               <a:rPr lang="en-US" dirty="0" smtClean="0"/>
-              <a:t>Toolkit</a:t>
+              <a:t>Toolkits</a:t>
             </a:r>
           </a:p>
           <a:p>
             <a:r>
               <a:rPr lang="en-US" dirty="0" smtClean="0"/>
-              <a:t>Demo</a:t>
+              <a:t>Demo (Classification, Detection)</a:t>
             </a:r>
           </a:p>
           <a:p>
@@ -3408,12 +3409,40 @@
           <a:p>
             <a:r>
               <a:rPr lang="en-AU" dirty="0"/>
-              <a:t>maps the raw data to class scores</a:t>
-            </a:r>
+              <a:t>maps the raw data to class </a:t>
+            </a:r>
+            <a:r>
+              <a:rPr lang="en-AU" dirty="0" smtClean="0"/>
+              <a:t>scores</a:t>
+            </a:r>
+          </a:p>
+          <a:p>
             <a:endParaRPr lang="en-AU" dirty="0"/>
           </a:p>
         </p:txBody>
       </p:sp>
+      <p:pic>
+        <p:nvPicPr>
+          <p:cNvPr id="4" name="Picture 3"/>
+          <p:cNvPicPr/>
+          <p:nvPr/>
+        </p:nvPicPr>
+        <p:blipFill>
+          <a:blip r:embed="rId2"/>
+          <a:stretch>
+            <a:fillRect/>
+          </a:stretch>
+        </p:blipFill>
+        <p:spPr>
+          <a:xfrm>
+            <a:off x="1475656" y="3068960"/>
+            <a:ext cx="5731510" cy="2263140"/>
+          </a:xfrm>
+          <a:prstGeom prst="rect">
+            <a:avLst/>
+          </a:prstGeom>
+        </p:spPr>
+      </p:pic>
     </p:spTree>
     <p:extLst>
       <p:ext uri="{BB962C8B-B14F-4D97-AF65-F5344CB8AC3E}">
@@ -3545,39 +3574,66 @@
           <a:p>
             <a:r>
               <a:rPr lang="en-AU" dirty="0" smtClean="0"/>
-              <a:t>Goal</a:t>
+              <a:t>Linear</a:t>
             </a:r>
             <a:endParaRPr lang="en-AU" dirty="0"/>
           </a:p>
         </p:txBody>
       </p:sp>
-      <p:sp>
-        <p:nvSpPr>
-          <p:cNvPr id="3" name="Content Placeholder 2"/>
-          <p:cNvSpPr>
-            <a:spLocks noGrp="1"/>
-          </p:cNvSpPr>
+      <p:pic>
+        <p:nvPicPr>
+          <p:cNvPr id="4" name="Content Placeholder 3"/>
+          <p:cNvPicPr>
+            <a:picLocks noGrp="1" noChangeAspect="1"/>
+          </p:cNvPicPr>
           <p:nvPr>
             <p:ph idx="1"/>
           </p:nvPr>
-        </p:nvSpPr>
-        <p:spPr/>
-        <p:txBody>
-          <a:bodyPr/>
-          <a:lstStyle/>
-          <a:p>
-            <a:r>
-              <a:rPr lang="en-AU"/>
-              <a:t>minimize the loss function with respect to the parameters of the score function</a:t>
-            </a:r>
-            <a:endParaRPr lang="en-AU"/>
-          </a:p>
-        </p:txBody>
-      </p:sp>
+        </p:nvPicPr>
+        <p:blipFill>
+          <a:blip r:embed="rId2"/>
+          <a:stretch>
+            <a:fillRect/>
+          </a:stretch>
+        </p:blipFill>
+        <p:spPr>
+          <a:xfrm>
+            <a:off x="457200" y="2224544"/>
+            <a:ext cx="8229600" cy="3277274"/>
+          </a:xfrm>
+          <a:prstGeom prst="rect">
+            <a:avLst/>
+          </a:prstGeom>
+        </p:spPr>
+      </p:pic>
+      <p:pic>
+        <p:nvPicPr>
+          <p:cNvPr id="5" name="Picture 4"/>
+          <p:cNvPicPr>
+            <a:picLocks noChangeAspect="1"/>
+          </p:cNvPicPr>
+          <p:nvPr/>
+        </p:nvPicPr>
+        <p:blipFill>
+          <a:blip r:embed="rId3"/>
+          <a:stretch>
+            <a:fillRect/>
+          </a:stretch>
+        </p:blipFill>
+        <p:spPr>
+          <a:xfrm>
+            <a:off x="4752975" y="1100594"/>
+            <a:ext cx="3933825" cy="1123950"/>
+          </a:xfrm>
+          <a:prstGeom prst="rect">
+            <a:avLst/>
+          </a:prstGeom>
+        </p:spPr>
+      </p:pic>
     </p:spTree>
     <p:extLst>
       <p:ext uri="{BB962C8B-B14F-4D97-AF65-F5344CB8AC3E}">
-        <p14:creationId xmlns:p14="http://schemas.microsoft.com/office/powerpoint/2010/main" val="2697255014"/>
+        <p14:creationId xmlns:p14="http://schemas.microsoft.com/office/powerpoint/2010/main" val="1659521911"/>
       </p:ext>
     </p:extLst>
   </p:cSld>
@@ -3621,6 +3677,85 @@
           <a:p>
             <a:r>
               <a:rPr lang="en-AU" dirty="0" smtClean="0"/>
+              <a:t>Non Linear</a:t>
+            </a:r>
+            <a:endParaRPr lang="en-AU" dirty="0"/>
+          </a:p>
+        </p:txBody>
+      </p:sp>
+      <p:pic>
+        <p:nvPicPr>
+          <p:cNvPr id="4" name="Content Placeholder 3"/>
+          <p:cNvPicPr>
+            <a:picLocks noGrp="1" noChangeAspect="1"/>
+          </p:cNvPicPr>
+          <p:nvPr>
+            <p:ph idx="1"/>
+          </p:nvPr>
+        </p:nvPicPr>
+        <p:blipFill>
+          <a:blip r:embed="rId2"/>
+          <a:stretch>
+            <a:fillRect/>
+          </a:stretch>
+        </p:blipFill>
+        <p:spPr>
+          <a:xfrm>
+            <a:off x="457200" y="2510594"/>
+            <a:ext cx="8229600" cy="2705175"/>
+          </a:xfrm>
+          <a:prstGeom prst="rect">
+            <a:avLst/>
+          </a:prstGeom>
+        </p:spPr>
+      </p:pic>
+    </p:spTree>
+    <p:extLst>
+      <p:ext uri="{BB962C8B-B14F-4D97-AF65-F5344CB8AC3E}">
+        <p14:creationId xmlns:p14="http://schemas.microsoft.com/office/powerpoint/2010/main" val="3284120189"/>
+      </p:ext>
+    </p:extLst>
+  </p:cSld>
+  <p:clrMapOvr>
+    <a:masterClrMapping/>
+  </p:clrMapOvr>
+</p:sld>
+</file>
+
+<file path=ppt/slides/slide7.xml><?xml version="1.0" encoding="utf-8"?>
+<p:sld xmlns:a="http://schemas.openxmlformats.org/drawingml/2006/main" xmlns:r="http://schemas.openxmlformats.org/officeDocument/2006/relationships" xmlns:p="http://schemas.openxmlformats.org/presentationml/2006/main">
+  <p:cSld>
+    <p:spTree>
+      <p:nvGrpSpPr>
+        <p:cNvPr id="1" name=""/>
+        <p:cNvGrpSpPr/>
+        <p:nvPr/>
+      </p:nvGrpSpPr>
+      <p:grpSpPr>
+        <a:xfrm>
+          <a:off x="0" y="0"/>
+          <a:ext cx="0" cy="0"/>
+          <a:chOff x="0" y="0"/>
+          <a:chExt cx="0" cy="0"/>
+        </a:xfrm>
+      </p:grpSpPr>
+      <p:sp>
+        <p:nvSpPr>
+          <p:cNvPr id="2" name="Title 1"/>
+          <p:cNvSpPr>
+            <a:spLocks noGrp="1"/>
+          </p:cNvSpPr>
+          <p:nvPr>
+            <p:ph type="title"/>
+          </p:nvPr>
+        </p:nvSpPr>
+        <p:spPr/>
+        <p:txBody>
+          <a:bodyPr/>
+          <a:lstStyle/>
+          <a:p>
+            <a:r>
+              <a:rPr lang="en-AU" dirty="0" smtClean="0"/>
               <a:t>Classification Demo</a:t>
             </a:r>
             <a:endParaRPr lang="en-AU" dirty="0"/>
@@ -3664,6 +3799,39 @@
               <a:t>/</a:t>
             </a:r>
             <a:endParaRPr lang="en-AU" dirty="0" smtClean="0"/>
+          </a:p>
+          <a:p>
+            <a:r>
+              <a:rPr lang="en-AU" dirty="0" smtClean="0"/>
+              <a:t>Non-Linear</a:t>
+            </a:r>
+          </a:p>
+          <a:p>
+            <a:pPr marL="0" indent="0">
+              <a:buNone/>
+            </a:pPr>
+            <a:r>
+              <a:rPr lang="en-AU">
+                <a:hlinkClick r:id="rId3"/>
+              </a:rPr>
+              <a:t>http</a:t>
+            </a:r>
+            <a:r>
+              <a:rPr lang="en-AU">
+                <a:hlinkClick r:id="rId3"/>
+              </a:rPr>
+              <a:t>://</a:t>
+            </a:r>
+            <a:r>
+              <a:rPr lang="en-AU" smtClean="0">
+                <a:hlinkClick r:id="rId3"/>
+              </a:rPr>
+              <a:t>cs.stanford.edu/people/karpathy/convnetjs/demo/classify2d.html</a:t>
+            </a:r>
+            <a:endParaRPr lang="en-AU" smtClean="0"/>
+          </a:p>
+          <a:p>
+            <a:endParaRPr lang="en-AU" dirty="0"/>
           </a:p>
           <a:p>
             <a:pPr marL="0" indent="0">
@@ -3686,7 +3854,7 @@
 </p:sld>
 </file>
 
-<file path=ppt/slides/slide7.xml><?xml version="1.0" encoding="utf-8"?>
+<file path=ppt/slides/slide8.xml><?xml version="1.0" encoding="utf-8"?>
 <p:sld xmlns:a="http://schemas.openxmlformats.org/drawingml/2006/main" xmlns:r="http://schemas.openxmlformats.org/officeDocument/2006/relationships" xmlns:p="http://schemas.openxmlformats.org/presentationml/2006/main">
   <p:cSld>
     <p:spTree>

--- a/ai.pptx
+++ b/ai.pptx
@@ -6,13 +6,14 @@
   </p:sldMasterIdLst>
   <p:sldIdLst>
     <p:sldId id="256" r:id="rId2"/>
-    <p:sldId id="266" r:id="rId3"/>
-    <p:sldId id="285" r:id="rId4"/>
-    <p:sldId id="286" r:id="rId5"/>
-    <p:sldId id="287" r:id="rId6"/>
-    <p:sldId id="288" r:id="rId7"/>
-    <p:sldId id="284" r:id="rId8"/>
-    <p:sldId id="283" r:id="rId9"/>
+    <p:sldId id="289" r:id="rId3"/>
+    <p:sldId id="266" r:id="rId4"/>
+    <p:sldId id="285" r:id="rId5"/>
+    <p:sldId id="286" r:id="rId6"/>
+    <p:sldId id="287" r:id="rId7"/>
+    <p:sldId id="288" r:id="rId8"/>
+    <p:sldId id="284" r:id="rId9"/>
+    <p:sldId id="283" r:id="rId10"/>
   </p:sldIdLst>
   <p:sldSz cx="9144000" cy="6858000" type="screen4x3"/>
   <p:notesSz cx="6858000" cy="9144000"/>
@@ -311,7 +312,7 @@
           <a:p>
             <a:fld id="{E8E257E0-6402-4869-8630-1AF38E65F0DF}" type="datetimeFigureOut">
               <a:rPr lang="en-AU" smtClean="0"/>
-              <a:t>23/11/2016</a:t>
+              <a:t>28/11/2016</a:t>
             </a:fld>
             <a:endParaRPr lang="en-AU"/>
           </a:p>
@@ -481,7 +482,7 @@
           <a:p>
             <a:fld id="{E8E257E0-6402-4869-8630-1AF38E65F0DF}" type="datetimeFigureOut">
               <a:rPr lang="en-AU" smtClean="0"/>
-              <a:t>23/11/2016</a:t>
+              <a:t>28/11/2016</a:t>
             </a:fld>
             <a:endParaRPr lang="en-AU"/>
           </a:p>
@@ -661,7 +662,7 @@
           <a:p>
             <a:fld id="{E8E257E0-6402-4869-8630-1AF38E65F0DF}" type="datetimeFigureOut">
               <a:rPr lang="en-AU" smtClean="0"/>
-              <a:t>23/11/2016</a:t>
+              <a:t>28/11/2016</a:t>
             </a:fld>
             <a:endParaRPr lang="en-AU"/>
           </a:p>
@@ -831,7 +832,7 @@
           <a:p>
             <a:fld id="{E8E257E0-6402-4869-8630-1AF38E65F0DF}" type="datetimeFigureOut">
               <a:rPr lang="en-AU" smtClean="0"/>
-              <a:t>23/11/2016</a:t>
+              <a:t>28/11/2016</a:t>
             </a:fld>
             <a:endParaRPr lang="en-AU"/>
           </a:p>
@@ -1077,7 +1078,7 @@
           <a:p>
             <a:fld id="{E8E257E0-6402-4869-8630-1AF38E65F0DF}" type="datetimeFigureOut">
               <a:rPr lang="en-AU" smtClean="0"/>
-              <a:t>23/11/2016</a:t>
+              <a:t>28/11/2016</a:t>
             </a:fld>
             <a:endParaRPr lang="en-AU"/>
           </a:p>
@@ -1365,7 +1366,7 @@
           <a:p>
             <a:fld id="{E8E257E0-6402-4869-8630-1AF38E65F0DF}" type="datetimeFigureOut">
               <a:rPr lang="en-AU" smtClean="0"/>
-              <a:t>23/11/2016</a:t>
+              <a:t>28/11/2016</a:t>
             </a:fld>
             <a:endParaRPr lang="en-AU"/>
           </a:p>
@@ -1787,7 +1788,7 @@
           <a:p>
             <a:fld id="{E8E257E0-6402-4869-8630-1AF38E65F0DF}" type="datetimeFigureOut">
               <a:rPr lang="en-AU" smtClean="0"/>
-              <a:t>23/11/2016</a:t>
+              <a:t>28/11/2016</a:t>
             </a:fld>
             <a:endParaRPr lang="en-AU"/>
           </a:p>
@@ -1905,7 +1906,7 @@
           <a:p>
             <a:fld id="{E8E257E0-6402-4869-8630-1AF38E65F0DF}" type="datetimeFigureOut">
               <a:rPr lang="en-AU" smtClean="0"/>
-              <a:t>23/11/2016</a:t>
+              <a:t>28/11/2016</a:t>
             </a:fld>
             <a:endParaRPr lang="en-AU"/>
           </a:p>
@@ -2000,7 +2001,7 @@
           <a:p>
             <a:fld id="{E8E257E0-6402-4869-8630-1AF38E65F0DF}" type="datetimeFigureOut">
               <a:rPr lang="en-AU" smtClean="0"/>
-              <a:t>23/11/2016</a:t>
+              <a:t>28/11/2016</a:t>
             </a:fld>
             <a:endParaRPr lang="en-AU"/>
           </a:p>
@@ -2277,7 +2278,7 @@
           <a:p>
             <a:fld id="{E8E257E0-6402-4869-8630-1AF38E65F0DF}" type="datetimeFigureOut">
               <a:rPr lang="en-AU" smtClean="0"/>
-              <a:t>23/11/2016</a:t>
+              <a:t>28/11/2016</a:t>
             </a:fld>
             <a:endParaRPr lang="en-AU"/>
           </a:p>
@@ -2530,7 +2531,7 @@
           <a:p>
             <a:fld id="{E8E257E0-6402-4869-8630-1AF38E65F0DF}" type="datetimeFigureOut">
               <a:rPr lang="en-AU" smtClean="0"/>
-              <a:t>23/11/2016</a:t>
+              <a:t>28/11/2016</a:t>
             </a:fld>
             <a:endParaRPr lang="en-AU"/>
           </a:p>
@@ -2767,7 +2768,7 @@
           <a:p>
             <a:fld id="{E8E257E0-6402-4869-8630-1AF38E65F0DF}" type="datetimeFigureOut">
               <a:rPr lang="en-AU" smtClean="0"/>
-              <a:t>23/11/2016</a:t>
+              <a:t>28/11/2016</a:t>
             </a:fld>
             <a:endParaRPr lang="en-AU"/>
           </a:p>
@@ -3244,8 +3245,128 @@
           <a:lstStyle/>
           <a:p>
             <a:r>
+              <a:rPr lang="en-AU" dirty="0" smtClean="0"/>
+              <a:t>The Brain Stuff</a:t>
+            </a:r>
+            <a:endParaRPr lang="en-AU" dirty="0"/>
+          </a:p>
+        </p:txBody>
+      </p:sp>
+      <p:sp>
+        <p:nvSpPr>
+          <p:cNvPr id="3" name="Content Placeholder 2"/>
+          <p:cNvSpPr>
+            <a:spLocks noGrp="1"/>
+          </p:cNvSpPr>
+          <p:nvPr>
+            <p:ph idx="1"/>
+          </p:nvPr>
+        </p:nvSpPr>
+        <p:spPr/>
+        <p:txBody>
+          <a:bodyPr/>
+          <a:lstStyle/>
+          <a:p>
+            <a:endParaRPr lang="en-AU"/>
+          </a:p>
+        </p:txBody>
+      </p:sp>
+      <p:pic>
+        <p:nvPicPr>
+          <p:cNvPr id="4" name="Picture 3"/>
+          <p:cNvPicPr>
+            <a:picLocks noChangeAspect="1"/>
+          </p:cNvPicPr>
+          <p:nvPr/>
+        </p:nvPicPr>
+        <p:blipFill>
+          <a:blip r:embed="rId2"/>
+          <a:stretch>
+            <a:fillRect/>
+          </a:stretch>
+        </p:blipFill>
+        <p:spPr>
+          <a:xfrm>
+            <a:off x="469938" y="1608422"/>
+            <a:ext cx="3933825" cy="2819400"/>
+          </a:xfrm>
+          <a:prstGeom prst="rect">
+            <a:avLst/>
+          </a:prstGeom>
+        </p:spPr>
+      </p:pic>
+      <p:pic>
+        <p:nvPicPr>
+          <p:cNvPr id="5" name="Picture 4"/>
+          <p:cNvPicPr>
+            <a:picLocks noChangeAspect="1"/>
+          </p:cNvPicPr>
+          <p:nvPr/>
+        </p:nvPicPr>
+        <p:blipFill>
+          <a:blip r:embed="rId3"/>
+          <a:stretch>
+            <a:fillRect/>
+          </a:stretch>
+        </p:blipFill>
+        <p:spPr>
+          <a:xfrm>
+            <a:off x="4788458" y="1649081"/>
+            <a:ext cx="3571875" cy="2800350"/>
+          </a:xfrm>
+          <a:prstGeom prst="rect">
+            <a:avLst/>
+          </a:prstGeom>
+        </p:spPr>
+      </p:pic>
+    </p:spTree>
+    <p:extLst>
+      <p:ext uri="{BB962C8B-B14F-4D97-AF65-F5344CB8AC3E}">
+        <p14:creationId xmlns:p14="http://schemas.microsoft.com/office/powerpoint/2010/main" val="1904120564"/>
+      </p:ext>
+    </p:extLst>
+  </p:cSld>
+  <p:clrMapOvr>
+    <a:masterClrMapping/>
+  </p:clrMapOvr>
+</p:sld>
+</file>
+
+<file path=ppt/slides/slide3.xml><?xml version="1.0" encoding="utf-8"?>
+<p:sld xmlns:a="http://schemas.openxmlformats.org/drawingml/2006/main" xmlns:r="http://schemas.openxmlformats.org/officeDocument/2006/relationships" xmlns:p="http://schemas.openxmlformats.org/presentationml/2006/main">
+  <p:cSld>
+    <p:spTree>
+      <p:nvGrpSpPr>
+        <p:cNvPr id="1" name=""/>
+        <p:cNvGrpSpPr/>
+        <p:nvPr/>
+      </p:nvGrpSpPr>
+      <p:grpSpPr>
+        <a:xfrm>
+          <a:off x="0" y="0"/>
+          <a:ext cx="0" cy="0"/>
+          <a:chOff x="0" y="0"/>
+          <a:chExt cx="0" cy="0"/>
+        </a:xfrm>
+      </p:grpSpPr>
+      <p:sp>
+        <p:nvSpPr>
+          <p:cNvPr id="2" name="Title 1"/>
+          <p:cNvSpPr>
+            <a:spLocks noGrp="1"/>
+          </p:cNvSpPr>
+          <p:nvPr>
+            <p:ph type="title"/>
+          </p:nvPr>
+        </p:nvSpPr>
+        <p:spPr/>
+        <p:txBody>
+          <a:bodyPr/>
+          <a:lstStyle/>
+          <a:p>
+            <a:r>
               <a:rPr lang="en-US" dirty="0" smtClean="0"/>
-              <a:t>Agenda</a:t>
+              <a:t>Agenda/Not Brain Stuff</a:t>
             </a:r>
             <a:endParaRPr lang="en-AU" dirty="0"/>
           </a:p>
@@ -3352,7 +3473,7 @@
 </p:sld>
 </file>
 
-<file path=ppt/slides/slide3.xml><?xml version="1.0" encoding="utf-8"?>
+<file path=ppt/slides/slide4.xml><?xml version="1.0" encoding="utf-8"?>
 <p:sld xmlns:a="http://schemas.openxmlformats.org/drawingml/2006/main" xmlns:r="http://schemas.openxmlformats.org/officeDocument/2006/relationships" xmlns:p="http://schemas.openxmlformats.org/presentationml/2006/main">
   <p:cSld>
     <p:spTree>
@@ -3456,7 +3577,7 @@
 </p:sld>
 </file>
 
-<file path=ppt/slides/slide4.xml><?xml version="1.0" encoding="utf-8"?>
+<file path=ppt/slides/slide5.xml><?xml version="1.0" encoding="utf-8"?>
 <p:sld xmlns:a="http://schemas.openxmlformats.org/drawingml/2006/main" xmlns:r="http://schemas.openxmlformats.org/officeDocument/2006/relationships" xmlns:p="http://schemas.openxmlformats.org/presentationml/2006/main">
   <p:cSld>
     <p:spTree>
@@ -3523,7 +3644,6 @@
               <a:rPr lang="en-AU" dirty="0"/>
               <a:t>the agreement between the predicted scores and the ground truth labels</a:t>
             </a:r>
-            <a:endParaRPr lang="en-AU" dirty="0"/>
           </a:p>
         </p:txBody>
       </p:sp>
@@ -3540,7 +3660,7 @@
 </p:sld>
 </file>
 
-<file path=ppt/slides/slide5.xml><?xml version="1.0" encoding="utf-8"?>
+<file path=ppt/slides/slide6.xml><?xml version="1.0" encoding="utf-8"?>
 <p:sld xmlns:a="http://schemas.openxmlformats.org/drawingml/2006/main" xmlns:r="http://schemas.openxmlformats.org/officeDocument/2006/relationships" xmlns:p="http://schemas.openxmlformats.org/presentationml/2006/main">
   <p:cSld>
     <p:spTree>
@@ -3643,7 +3763,7 @@
 </p:sld>
 </file>
 
-<file path=ppt/slides/slide6.xml><?xml version="1.0" encoding="utf-8"?>
+<file path=ppt/slides/slide7.xml><?xml version="1.0" encoding="utf-8"?>
 <p:sld xmlns:a="http://schemas.openxmlformats.org/drawingml/2006/main" xmlns:r="http://schemas.openxmlformats.org/officeDocument/2006/relationships" xmlns:p="http://schemas.openxmlformats.org/presentationml/2006/main">
   <p:cSld>
     <p:spTree>
@@ -3722,7 +3842,7 @@
 </p:sld>
 </file>
 
-<file path=ppt/slides/slide7.xml><?xml version="1.0" encoding="utf-8"?>
+<file path=ppt/slides/slide8.xml><?xml version="1.0" encoding="utf-8"?>
 <p:sld xmlns:a="http://schemas.openxmlformats.org/drawingml/2006/main" xmlns:r="http://schemas.openxmlformats.org/officeDocument/2006/relationships" xmlns:p="http://schemas.openxmlformats.org/presentationml/2006/main">
   <p:cSld>
     <p:spTree>
@@ -3811,24 +3931,18 @@
               <a:buNone/>
             </a:pPr>
             <a:r>
-              <a:rPr lang="en-AU">
+              <a:rPr lang="en-AU" dirty="0">
                 <a:hlinkClick r:id="rId3"/>
               </a:rPr>
-              <a:t>http</a:t>
-            </a:r>
-            <a:r>
-              <a:rPr lang="en-AU">
-                <a:hlinkClick r:id="rId3"/>
-              </a:rPr>
-              <a:t>://</a:t>
-            </a:r>
-            <a:r>
-              <a:rPr lang="en-AU" smtClean="0">
+              <a:t>http://</a:t>
+            </a:r>
+            <a:r>
+              <a:rPr lang="en-AU" dirty="0" smtClean="0">
                 <a:hlinkClick r:id="rId3"/>
               </a:rPr>
               <a:t>cs.stanford.edu/people/karpathy/convnetjs/demo/classify2d.html</a:t>
             </a:r>
-            <a:endParaRPr lang="en-AU" smtClean="0"/>
+            <a:endParaRPr lang="en-AU" dirty="0" smtClean="0"/>
           </a:p>
           <a:p>
             <a:endParaRPr lang="en-AU" dirty="0"/>
@@ -3854,7 +3968,7 @@
 </p:sld>
 </file>
 
-<file path=ppt/slides/slide8.xml><?xml version="1.0" encoding="utf-8"?>
+<file path=ppt/slides/slide9.xml><?xml version="1.0" encoding="utf-8"?>
 <p:sld xmlns:a="http://schemas.openxmlformats.org/drawingml/2006/main" xmlns:r="http://schemas.openxmlformats.org/officeDocument/2006/relationships" xmlns:p="http://schemas.openxmlformats.org/presentationml/2006/main">
   <p:cSld>
     <p:spTree>
